--- a/open_todo.pptx
+++ b/open_todo.pptx
@@ -3351,6 +3351,76 @@
             <a:r>
               <a:rPr lang="de-DE" sz="1000" dirty="0" smtClean="0"/>
               <a:t>Öffnet pro Zeile in Liste, eine Excel Datei und markiert die Zeile</a:t>
+            </a:r>
+            <a:endParaRPr lang="de-DE" sz="1000" dirty="0"/>
+          </a:p>
+        </p:txBody>
+      </p:sp>
+      <p:sp>
+        <p:nvSpPr>
+          <p:cNvPr id="7" name="Rechteck 6"/>
+          <p:cNvSpPr/>
+          <p:nvPr/>
+        </p:nvSpPr>
+        <p:spPr>
+          <a:xfrm>
+            <a:off x="683568" y="1484784"/>
+            <a:ext cx="1512168" cy="1944216"/>
+          </a:xfrm>
+          <a:prstGeom prst="rect">
+            <a:avLst/>
+          </a:prstGeom>
+        </p:spPr>
+        <p:style>
+          <a:lnRef idx="2">
+            <a:schemeClr val="accent1">
+              <a:shade val="50000"/>
+            </a:schemeClr>
+          </a:lnRef>
+          <a:fillRef idx="1">
+            <a:schemeClr val="accent1"/>
+          </a:fillRef>
+          <a:effectRef idx="0">
+            <a:schemeClr val="accent1"/>
+          </a:effectRef>
+          <a:fontRef idx="minor">
+            <a:schemeClr val="lt1"/>
+          </a:fontRef>
+        </p:style>
+        <p:txBody>
+          <a:bodyPr rtlCol="0" anchor="ctr"/>
+          <a:lstStyle/>
+          <a:p>
+            <a:pPr algn="ctr"/>
+            <a:r>
+              <a:rPr lang="de-DE" sz="1000" dirty="0" smtClean="0"/>
+              <a:t>MAIN</a:t>
+            </a:r>
+          </a:p>
+          <a:p>
+            <a:pPr algn="ctr"/>
+            <a:r>
+              <a:rPr lang="de-DE" sz="1000" dirty="0" smtClean="0"/>
+              <a:t>- Eingabe</a:t>
+            </a:r>
+          </a:p>
+          <a:p>
+            <a:pPr algn="ctr"/>
+            <a:r>
+              <a:rPr lang="de-DE" sz="1000" dirty="0" smtClean="0"/>
+              <a:t>- Suchen über alle </a:t>
+            </a:r>
+            <a:r>
+              <a:rPr lang="de-DE" sz="1000" dirty="0" err="1" smtClean="0"/>
+              <a:t>sheets</a:t>
+            </a:r>
+            <a:endParaRPr lang="de-DE" sz="1000" dirty="0" smtClean="0"/>
+          </a:p>
+          <a:p>
+            <a:pPr algn="ctr"/>
+            <a:r>
+              <a:rPr lang="de-DE" sz="1000" smtClean="0"/>
+              <a:t>-  Ausgabe aller  Listen </a:t>
             </a:r>
             <a:endParaRPr lang="de-DE" sz="1000" dirty="0"/>
           </a:p>
